--- a/public/user/output/U201812791-刘棫欣-1.《喜马拉雅FM免费增值策略对用户留存的影响的实证研究》/output_2_2.pptx
+++ b/public/user/output/U201812791-刘棫欣-1.《喜马拉雅FM免费增值策略对用户留存的影响的实证研究》/output_2_2.pptx
@@ -3619,7 +3619,7 @@
               </a:defRPr>
             </a:pPr>
             <a:r>
-              <a:t>3. 发展前景</a:t>
+              <a:t>3. 行业现状</a:t>
             </a:r>
           </a:p>
         </p:txBody>
@@ -3655,7 +3655,79 @@
               </a:defRPr>
             </a:pPr>
             <a:r>
-              <a:t>- 虽有巨大市场需求，但行业内部发展前景不容乐观，免费用户不付费时用户交互可提供口碑。</a:t>
+              <a:t>- 有海量用户基础，社交音频受关注，规模持续增长。</a:t>
+            </a:r>
+          </a:p>
+        </p:txBody>
+      </p:sp>
+      <p:sp>
+        <p:nvSpPr>
+          <p:cNvPr id="7" name="TextBox 6"/>
+          <p:cNvSpPr txBox="1"/>
+          <p:nvPr/>
+        </p:nvSpPr>
+        <p:spPr>
+          <a:xfrm>
+            <a:off x="1371600" y="3383280"/>
+            <a:ext cx="9144000" cy="1371600"/>
+          </a:xfrm>
+          <a:prstGeom prst="rect">
+            <a:avLst/>
+          </a:prstGeom>
+          <a:noFill/>
+        </p:spPr>
+        <p:txBody>
+          <a:bodyPr wrap="square">
+            <a:spAutoFit/>
+          </a:bodyPr>
+          <a:lstStyle/>
+          <a:p>
+            <a:pPr>
+              <a:defRPr b="1" sz="2200">
+                <a:solidFill>
+                  <a:srgbClr val="000000"/>
+                </a:solidFill>
+                <a:latin typeface="微软雅黑"/>
+              </a:defRPr>
+            </a:pPr>
+            <a:r>
+              <a:t>4. 存在问题</a:t>
+            </a:r>
+          </a:p>
+        </p:txBody>
+      </p:sp>
+      <p:sp>
+        <p:nvSpPr>
+          <p:cNvPr id="8" name="TextBox 7"/>
+          <p:cNvSpPr txBox="1"/>
+          <p:nvPr/>
+        </p:nvSpPr>
+        <p:spPr>
+          <a:xfrm>
+            <a:off x="1371600" y="4754880"/>
+            <a:ext cx="9144000" cy="1371600"/>
+          </a:xfrm>
+          <a:prstGeom prst="rect">
+            <a:avLst/>
+          </a:prstGeom>
+          <a:noFill/>
+        </p:spPr>
+        <p:txBody>
+          <a:bodyPr wrap="square">
+            <a:spAutoFit/>
+          </a:bodyPr>
+          <a:lstStyle/>
+          <a:p>
+            <a:pPr>
+              <a:defRPr b="0" sz="2000">
+                <a:solidFill>
+                  <a:srgbClr val="000000"/>
+                </a:solidFill>
+                <a:latin typeface="微软雅黑"/>
+              </a:defRPr>
+            </a:pPr>
+            <a:r>
+              <a:t>- 未立足用户需求，尤其知识变现问题突出。</a:t>
             </a:r>
           </a:p>
         </p:txBody>
